--- a/output/테스트고객_브리핑자료_20260219.pptx
+++ b/output/테스트고객_브리핑자료_20260219.pptx
@@ -14,7 +14,6 @@
     <p:sldId id="262" r:id="rId13"/>
     <p:sldId id="263" r:id="rId14"/>
     <p:sldId id="264" r:id="rId15"/>
-    <p:sldId id="265" r:id="rId16"/>
   </p:sldIdLst>
   <p:sldSz cx="9144000" cy="6858000" type="screen4x3"/>
   <p:notesSz cx="6858000" cy="9144000"/>
@@ -3205,349 +3204,7 @@
               </a:defRPr>
             </a:pPr>
             <a:r>
-              <a:t>임장브리핑 : 샘플단지_2345 / 샘플단지_9999</a:t>
-            </a:r>
-          </a:p>
-        </p:txBody>
-      </p:sp>
-    </p:spTree>
-  </p:cSld>
-  <p:clrMapOvr>
-    <a:masterClrMapping/>
-  </p:clrMapOvr>
-</p:sld>
-</file>
-
-<file path=ppt/slides/slide10.xml><?xml version="1.0" encoding="utf-8"?>
-<p:sld xmlns:a="http://schemas.openxmlformats.org/drawingml/2006/main" xmlns:p="http://schemas.openxmlformats.org/presentationml/2006/main" xmlns:r="http://schemas.openxmlformats.org/officeDocument/2006/relationships">
-  <p:cSld>
-    <p:spTree>
-      <p:nvGrpSpPr>
-        <p:cNvPr id="1" name=""/>
-        <p:cNvGrpSpPr/>
-        <p:nvPr/>
-      </p:nvGrpSpPr>
-      <p:grpSpPr/>
-      <p:sp>
-        <p:nvSpPr>
-          <p:cNvPr id="2" name="Rectangle 1"/>
-          <p:cNvSpPr/>
-          <p:nvPr/>
-        </p:nvSpPr>
-        <p:spPr>
-          <a:xfrm>
-            <a:off x="274320" y="320040"/>
-            <a:ext cx="101600" cy="365760"/>
-          </a:xfrm>
-          <a:prstGeom prst="rect">
-            <a:avLst/>
-          </a:prstGeom>
-          <a:solidFill>
-            <a:srgbClr val="C8102E"/>
-          </a:solidFill>
-          <a:ln>
-            <a:noFill/>
-          </a:ln>
-        </p:spPr>
-        <p:style>
-          <a:lnRef idx="1">
-            <a:schemeClr val="accent1"/>
-          </a:lnRef>
-          <a:fillRef idx="3">
-            <a:schemeClr val="accent1"/>
-          </a:fillRef>
-          <a:effectRef idx="2">
-            <a:schemeClr val="accent1"/>
-          </a:effectRef>
-          <a:fontRef idx="minor">
-            <a:schemeClr val="lt1"/>
-          </a:fontRef>
-        </p:style>
-        <p:txBody>
-          <a:bodyPr rtlCol="0" anchor="ctr"/>
-          <a:lstStyle/>
-          <a:p>
-            <a:pPr algn="ctr"/>
-          </a:p>
-        </p:txBody>
-      </p:sp>
-      <p:sp>
-        <p:nvSpPr>
-          <p:cNvPr id="3" name="TextBox 2"/>
-          <p:cNvSpPr txBox="1"/>
-          <p:nvPr/>
-        </p:nvSpPr>
-        <p:spPr>
-          <a:xfrm>
-            <a:off x="548640" y="274320"/>
-            <a:ext cx="5486400" cy="457200"/>
-          </a:xfrm>
-          <a:prstGeom prst="rect">
-            <a:avLst/>
-          </a:prstGeom>
-          <a:noFill/>
-        </p:spPr>
-        <p:txBody>
-          <a:bodyPr wrap="none">
-            <a:spAutoFit/>
-          </a:bodyPr>
-          <a:lstStyle/>
-          <a:p>
-            <a:pPr>
-              <a:defRPr sz="2000" b="1">
-                <a:solidFill>
-                  <a:srgbClr val="333333"/>
-                </a:solidFill>
-              </a:defRPr>
-            </a:pPr>
-            <a:r>
-              <a:t>샘플단지_9999 - 201동 3/20층</a:t>
-            </a:r>
-          </a:p>
-        </p:txBody>
-      </p:sp>
-      <p:sp>
-        <p:nvSpPr>
-          <p:cNvPr id="4" name="TextBox 3"/>
-          <p:cNvSpPr txBox="1"/>
-          <p:nvPr/>
-        </p:nvSpPr>
-        <p:spPr>
-          <a:xfrm>
-            <a:off x="6858000" y="274320"/>
-            <a:ext cx="1828800" cy="457200"/>
-          </a:xfrm>
-          <a:prstGeom prst="rect">
-            <a:avLst/>
-          </a:prstGeom>
-          <a:noFill/>
-        </p:spPr>
-        <p:txBody>
-          <a:bodyPr wrap="none">
-            <a:spAutoFit/>
-          </a:bodyPr>
-          <a:lstStyle/>
-          <a:p>
-            <a:pPr algn="r">
-              <a:defRPr sz="1400">
-                <a:solidFill>
-                  <a:srgbClr val="999999"/>
-                </a:solidFill>
-              </a:defRPr>
-            </a:pPr>
-            <a:r>
-              <a:t>매물정보</a:t>
-            </a:r>
-          </a:p>
-        </p:txBody>
-      </p:sp>
-      <p:sp>
-        <p:nvSpPr>
-          <p:cNvPr id="5" name="Rectangle 4"/>
-          <p:cNvSpPr/>
-          <p:nvPr/>
-        </p:nvSpPr>
-        <p:spPr>
-          <a:xfrm>
-            <a:off x="274320" y="777240"/>
-            <a:ext cx="8595360" cy="12700"/>
-          </a:xfrm>
-          <a:prstGeom prst="rect">
-            <a:avLst/>
-          </a:prstGeom>
-          <a:solidFill>
-            <a:srgbClr val="E0E0E0"/>
-          </a:solidFill>
-          <a:ln>
-            <a:noFill/>
-          </a:ln>
-        </p:spPr>
-        <p:style>
-          <a:lnRef idx="1">
-            <a:schemeClr val="accent1"/>
-          </a:lnRef>
-          <a:fillRef idx="3">
-            <a:schemeClr val="accent1"/>
-          </a:fillRef>
-          <a:effectRef idx="2">
-            <a:schemeClr val="accent1"/>
-          </a:effectRef>
-          <a:fontRef idx="minor">
-            <a:schemeClr val="lt1"/>
-          </a:fontRef>
-        </p:style>
-        <p:txBody>
-          <a:bodyPr rtlCol="0" anchor="ctr"/>
-          <a:lstStyle/>
-          <a:p>
-            <a:pPr algn="ctr"/>
-          </a:p>
-        </p:txBody>
-      </p:sp>
-      <p:sp>
-        <p:nvSpPr>
-          <p:cNvPr id="6" name="TextBox 5"/>
-          <p:cNvSpPr txBox="1"/>
-          <p:nvPr/>
-        </p:nvSpPr>
-        <p:spPr>
-          <a:xfrm>
-            <a:off x="274320" y="1188720"/>
-            <a:ext cx="4114800" cy="3200400"/>
-          </a:xfrm>
-          <a:prstGeom prst="rect">
-            <a:avLst/>
-          </a:prstGeom>
-          <a:noFill/>
-        </p:spPr>
-        <p:txBody>
-          <a:bodyPr wrap="none">
-            <a:spAutoFit/>
-          </a:bodyPr>
-          <a:lstStyle/>
-          <a:p>
-            <a:pPr algn="ctr">
-              <a:defRPr sz="1600">
-                <a:solidFill>
-                  <a:srgbClr val="CCCCCC"/>
-                </a:solidFill>
-              </a:defRPr>
-            </a:pPr>
-            <a:r>
-              <a:t>[단지 내 위치]</a:t>
-            </a:r>
-          </a:p>
-        </p:txBody>
-      </p:sp>
-      <p:sp>
-        <p:nvSpPr>
-          <p:cNvPr id="7" name="TextBox 6"/>
-          <p:cNvSpPr txBox="1"/>
-          <p:nvPr/>
-        </p:nvSpPr>
-        <p:spPr>
-          <a:xfrm>
-            <a:off x="4572000" y="1188720"/>
-            <a:ext cx="4114800" cy="2286000"/>
-          </a:xfrm>
-          <a:prstGeom prst="rect">
-            <a:avLst/>
-          </a:prstGeom>
-          <a:noFill/>
-        </p:spPr>
-        <p:txBody>
-          <a:bodyPr wrap="none">
-            <a:spAutoFit/>
-          </a:bodyPr>
-          <a:lstStyle/>
-          <a:p>
-            <a:pPr algn="ctr">
-              <a:defRPr sz="1600">
-                <a:solidFill>
-                  <a:srgbClr val="CCCCCC"/>
-                </a:solidFill>
-              </a:defRPr>
-            </a:pPr>
-            <a:r>
-              <a:t>[평면도]</a:t>
-            </a:r>
-          </a:p>
-        </p:txBody>
-      </p:sp>
-      <p:sp>
-        <p:nvSpPr>
-          <p:cNvPr id="8" name="TextBox 7"/>
-          <p:cNvSpPr txBox="1"/>
-          <p:nvPr/>
-        </p:nvSpPr>
-        <p:spPr>
-          <a:xfrm>
-            <a:off x="4572000" y="3657600"/>
-            <a:ext cx="4114800" cy="2286000"/>
-          </a:xfrm>
-          <a:prstGeom prst="rect">
-            <a:avLst/>
-          </a:prstGeom>
-          <a:noFill/>
-        </p:spPr>
-        <p:txBody>
-          <a:bodyPr wrap="square">
-            <a:spAutoFit/>
-          </a:bodyPr>
-          <a:lstStyle/>
-          <a:p>
-            <a:pPr>
-              <a:spcAft>
-                <a:spcPts val="400"/>
-              </a:spcAft>
-              <a:defRPr sz="1200" b="1">
-                <a:solidFill>
-                  <a:srgbClr val="333333"/>
-                </a:solidFill>
-              </a:defRPr>
-            </a:pPr>
-            <a:r>
-              <a:t>매매가: 8.2억</a:t>
-            </a:r>
-          </a:p>
-          <a:p>
-            <a:pPr>
-              <a:spcAft>
-                <a:spcPts val="400"/>
-              </a:spcAft>
-              <a:defRPr sz="1100">
-                <a:solidFill>
-                  <a:srgbClr val="555555"/>
-                </a:solidFill>
-              </a:defRPr>
-            </a:pPr>
-            <a:r>
-              <a:t>동/층: 201동 / 3/20층</a:t>
-            </a:r>
-          </a:p>
-          <a:p>
-            <a:pPr>
-              <a:spcAft>
-                <a:spcPts val="400"/>
-              </a:spcAft>
-              <a:defRPr sz="1100">
-                <a:solidFill>
-                  <a:srgbClr val="555555"/>
-                </a:solidFill>
-              </a:defRPr>
-            </a:pPr>
-            <a:r>
-              <a:t>향: 남서향</a:t>
-            </a:r>
-          </a:p>
-          <a:p>
-            <a:pPr>
-              <a:spcAft>
-                <a:spcPts val="400"/>
-              </a:spcAft>
-              <a:defRPr sz="1100">
-                <a:solidFill>
-                  <a:srgbClr val="555555"/>
-                </a:solidFill>
-              </a:defRPr>
-            </a:pPr>
-            <a:r>
-              <a:t>구조: 타워식 방3화2</a:t>
-            </a:r>
-          </a:p>
-          <a:p>
-            <a:pPr>
-              <a:spcAft>
-                <a:spcPts val="400"/>
-              </a:spcAft>
-              <a:defRPr sz="1100">
-                <a:solidFill>
-                  <a:srgbClr val="555555"/>
-                </a:solidFill>
-              </a:defRPr>
-            </a:pPr>
-            <a:r>
-              <a:t>특이사항: 올수리, 네고 가능</a:t>
+              <a:t>임장브리핑 : 샘플단지_605</a:t>
             </a:r>
           </a:p>
         </p:txBody>
@@ -3912,7 +3569,7 @@
         </p:nvGraphicFramePr>
         <p:xfrm>
           <a:off x="274320" y="1097280"/>
-          <a:ext cx="8595360" cy="1463040"/>
+          <a:ext cx="8595360" cy="731520"/>
         </p:xfrm>
         <a:graphic>
           <a:graphicData uri="http://schemas.openxmlformats.org/drawingml/2006/table">
@@ -4125,7 +3782,7 @@
                         </a:defRPr>
                       </a:pPr>
                       <a:r>
-                        <a:t>샘플단지_2345</a:t>
+                        <a:t>샘플단지_605</a:t>
                       </a:r>
                     </a:p>
                   </a:txBody>
@@ -4144,7 +3801,7 @@
                         </a:defRPr>
                       </a:pPr>
                       <a:r>
-                        <a:t>124동</a:t>
+                        <a:t>미입력</a:t>
                       </a:r>
                     </a:p>
                   </a:txBody>
@@ -4179,261 +3836,7 @@
                         </a:defRPr>
                       </a:pPr>
                       <a:r>
-                        <a:t>6.4억</a:t>
-                      </a:r>
-                    </a:p>
-                  </a:txBody>
-                  <a:tcPr/>
-                </a:tc>
-                <a:tc>
-                  <a:txBody>
-                    <a:bodyPr/>
-                    <a:lstStyle/>
-                    <a:p>
-                      <a:pPr algn="ctr">
-                        <a:defRPr sz="900">
-                          <a:solidFill>
-                            <a:srgbClr val="333333"/>
-                          </a:solidFill>
-                        </a:defRPr>
-                      </a:pPr>
-                      <a:r>
-                        <a:t>동향 복도식 방2화1</a:t>
-                      </a:r>
-                    </a:p>
-                  </a:txBody>
-                  <a:tcPr/>
-                </a:tc>
-                <a:tc>
-                  <a:txBody>
-                    <a:bodyPr/>
-                    <a:lstStyle/>
-                    <a:p>
-                      <a:pPr algn="ctr">
-                        <a:defRPr sz="900">
-                          <a:solidFill>
-                            <a:srgbClr val="333333"/>
-                          </a:solidFill>
-                        </a:defRPr>
-                      </a:pPr>
-                      <a:r>
-                        <a:t>샷시교체, 욕실수리</a:t>
-                      </a:r>
-                    </a:p>
-                  </a:txBody>
-                  <a:tcPr/>
-                </a:tc>
-              </a:tr>
-              <a:tr h="365760">
-                <a:tc>
-                  <a:txBody>
-                    <a:bodyPr/>
-                    <a:lstStyle/>
-                    <a:p>
-                      <a:pPr algn="ctr">
-                        <a:defRPr sz="900">
-                          <a:solidFill>
-                            <a:srgbClr val="333333"/>
-                          </a:solidFill>
-                        </a:defRPr>
-                      </a:pPr>
-                      <a:r>
-                        <a:t>서울시 강남구</a:t>
-                      </a:r>
-                    </a:p>
-                  </a:txBody>
-                  <a:tcPr>
-                    <a:solidFill>
-                      <a:srgbClr val="F5F5F5"/>
-                    </a:solidFill>
-                  </a:tcPr>
-                </a:tc>
-                <a:tc>
-                  <a:txBody>
-                    <a:bodyPr/>
-                    <a:lstStyle/>
-                    <a:p>
-                      <a:pPr algn="ctr">
-                        <a:defRPr sz="900">
-                          <a:solidFill>
-                            <a:srgbClr val="333333"/>
-                          </a:solidFill>
-                        </a:defRPr>
-                      </a:pPr>
-                      <a:r>
-                        <a:t>샘플단지_2345</a:t>
-                      </a:r>
-                    </a:p>
-                  </a:txBody>
-                  <a:tcPr>
-                    <a:solidFill>
-                      <a:srgbClr val="F5F5F5"/>
-                    </a:solidFill>
-                  </a:tcPr>
-                </a:tc>
-                <a:tc>
-                  <a:txBody>
-                    <a:bodyPr/>
-                    <a:lstStyle/>
-                    <a:p>
-                      <a:pPr algn="ctr">
-                        <a:defRPr sz="900">
-                          <a:solidFill>
-                            <a:srgbClr val="333333"/>
-                          </a:solidFill>
-                        </a:defRPr>
-                      </a:pPr>
-                      <a:r>
-                        <a:t>115동</a:t>
-                      </a:r>
-                    </a:p>
-                  </a:txBody>
-                  <a:tcPr>
-                    <a:solidFill>
-                      <a:srgbClr val="F5F5F5"/>
-                    </a:solidFill>
-                  </a:tcPr>
-                </a:tc>
-                <a:tc>
-                  <a:txBody>
-                    <a:bodyPr/>
-                    <a:lstStyle/>
-                    <a:p>
-                      <a:pPr algn="ctr">
-                        <a:defRPr sz="900">
-                          <a:solidFill>
-                            <a:srgbClr val="333333"/>
-                          </a:solidFill>
-                        </a:defRPr>
-                      </a:pPr>
-                    </a:p>
-                  </a:txBody>
-                  <a:tcPr>
-                    <a:solidFill>
-                      <a:srgbClr val="F5F5F5"/>
-                    </a:solidFill>
-                  </a:tcPr>
-                </a:tc>
-                <a:tc>
-                  <a:txBody>
-                    <a:bodyPr/>
-                    <a:lstStyle/>
-                    <a:p>
-                      <a:pPr algn="ctr">
-                        <a:defRPr sz="900">
-                          <a:solidFill>
-                            <a:srgbClr val="333333"/>
-                          </a:solidFill>
-                        </a:defRPr>
-                      </a:pPr>
-                      <a:r>
-                        <a:t>6.6억</a:t>
-                      </a:r>
-                    </a:p>
-                  </a:txBody>
-                  <a:tcPr>
-                    <a:solidFill>
-                      <a:srgbClr val="F5F5F5"/>
-                    </a:solidFill>
-                  </a:tcPr>
-                </a:tc>
-                <a:tc>
-                  <a:txBody>
-                    <a:bodyPr/>
-                    <a:lstStyle/>
-                    <a:p>
-                      <a:pPr algn="ctr">
-                        <a:defRPr sz="900">
-                          <a:solidFill>
-                            <a:srgbClr val="333333"/>
-                          </a:solidFill>
-                        </a:defRPr>
-                      </a:pPr>
-                      <a:r>
-                        <a:t>남향 복도식 방3화2</a:t>
-                      </a:r>
-                    </a:p>
-                  </a:txBody>
-                  <a:tcPr>
-                    <a:solidFill>
-                      <a:srgbClr val="F5F5F5"/>
-                    </a:solidFill>
-                  </a:tcPr>
-                </a:tc>
-                <a:tc>
-                  <a:txBody>
-                    <a:bodyPr/>
-                    <a:lstStyle/>
-                    <a:p>
-                      <a:pPr algn="ctr">
-                        <a:defRPr sz="900">
-                          <a:solidFill>
-                            <a:srgbClr val="333333"/>
-                          </a:solidFill>
-                        </a:defRPr>
-                      </a:pPr>
-                    </a:p>
-                  </a:txBody>
-                  <a:tcPr>
-                    <a:solidFill>
-                      <a:srgbClr val="F5F5F5"/>
-                    </a:solidFill>
-                  </a:tcPr>
-                </a:tc>
-              </a:tr>
-              <a:tr h="365760">
-                <a:tc>
-                  <a:txBody>
-                    <a:bodyPr/>
-                    <a:lstStyle/>
-                    <a:p>
-                      <a:pPr algn="ctr">
-                        <a:defRPr sz="900">
-                          <a:solidFill>
-                            <a:srgbClr val="333333"/>
-                          </a:solidFill>
-                        </a:defRPr>
-                      </a:pPr>
-                      <a:r>
-                        <a:t>서울시 강남구</a:t>
-                      </a:r>
-                    </a:p>
-                  </a:txBody>
-                  <a:tcPr/>
-                </a:tc>
-                <a:tc>
-                  <a:txBody>
-                    <a:bodyPr/>
-                    <a:lstStyle/>
-                    <a:p>
-                      <a:pPr algn="ctr">
-                        <a:defRPr sz="900">
-                          <a:solidFill>
-                            <a:srgbClr val="333333"/>
-                          </a:solidFill>
-                        </a:defRPr>
-                      </a:pPr>
-                      <a:r>
-                        <a:t>샘플단지_9999</a:t>
-                      </a:r>
-                    </a:p>
-                  </a:txBody>
-                  <a:tcPr/>
-                </a:tc>
-                <a:tc>
-                  <a:txBody>
-                    <a:bodyPr/>
-                    <a:lstStyle/>
-                    <a:p>
-                      <a:pPr algn="ctr">
-                        <a:defRPr sz="900">
-                          <a:solidFill>
-                            <a:srgbClr val="333333"/>
-                          </a:solidFill>
-                        </a:defRPr>
-                      </a:pPr>
-                      <a:r>
-                        <a:t>201동</a:t>
+                        <a:t>미입력</a:t>
                       </a:r>
                     </a:p>
                   </a:txBody>
@@ -4467,47 +3870,6 @@
                           </a:solidFill>
                         </a:defRPr>
                       </a:pPr>
-                      <a:r>
-                        <a:t>8.2억</a:t>
-                      </a:r>
-                    </a:p>
-                  </a:txBody>
-                  <a:tcPr/>
-                </a:tc>
-                <a:tc>
-                  <a:txBody>
-                    <a:bodyPr/>
-                    <a:lstStyle/>
-                    <a:p>
-                      <a:pPr algn="ctr">
-                        <a:defRPr sz="900">
-                          <a:solidFill>
-                            <a:srgbClr val="333333"/>
-                          </a:solidFill>
-                        </a:defRPr>
-                      </a:pPr>
-                      <a:r>
-                        <a:t>남서향 타워식 방3화2</a:t>
-                      </a:r>
-                    </a:p>
-                  </a:txBody>
-                  <a:tcPr/>
-                </a:tc>
-                <a:tc>
-                  <a:txBody>
-                    <a:bodyPr/>
-                    <a:lstStyle/>
-                    <a:p>
-                      <a:pPr algn="ctr">
-                        <a:defRPr sz="900">
-                          <a:solidFill>
-                            <a:srgbClr val="333333"/>
-                          </a:solidFill>
-                        </a:defRPr>
-                      </a:pPr>
-                      <a:r>
-                        <a:t>올수리, 네고 가능</a:t>
-                      </a:r>
                     </a:p>
                   </a:txBody>
                   <a:tcPr/>
@@ -4608,7 +3970,7 @@
               </a:defRPr>
             </a:pPr>
             <a:r>
-              <a:t>샘플단지_2345</a:t>
+              <a:t>샘플단지_605</a:t>
             </a:r>
           </a:p>
         </p:txBody>
@@ -4724,7 +4086,7 @@
               </a:defRPr>
             </a:pPr>
             <a:r>
-              <a:t>샘플단지_2345은(는)</a:t>
+              <a:t>샘플단지_605은(는)</a:t>
             </a:r>
           </a:p>
           <a:p>
@@ -4804,7 +4166,7 @@
               </a:defRPr>
             </a:pPr>
             <a:r>
-              <a:t>#대단지  #준신축</a:t>
+              <a:t>#역세권  #대단지  #준신축</a:t>
             </a:r>
           </a:p>
         </p:txBody>
@@ -4935,7 +4297,7 @@
               </a:defRPr>
             </a:pPr>
             <a:r>
-              <a:t>샘플단지_2345</a:t>
+              <a:t>샘플단지_605</a:t>
             </a:r>
           </a:p>
         </p:txBody>
@@ -4970,7 +4332,7 @@
               </a:defRPr>
             </a:pPr>
             <a:r>
-              <a:t>실거래가</a:t>
+              <a:t>입지정보</a:t>
             </a:r>
           </a:p>
         </p:txBody>
@@ -5026,6 +4388,899 @@
         </p:nvSpPr>
         <p:spPr>
           <a:xfrm>
+            <a:off x="457200" y="1005840"/>
+            <a:ext cx="8229600" cy="731520"/>
+          </a:xfrm>
+          <a:prstGeom prst="rect">
+            <a:avLst/>
+          </a:prstGeom>
+          <a:noFill/>
+        </p:spPr>
+        <p:txBody>
+          <a:bodyPr wrap="square">
+            <a:spAutoFit/>
+          </a:bodyPr>
+          <a:lstStyle/>
+          <a:p>
+            <a:pPr>
+              <a:spcAft>
+                <a:spcPts val="400"/>
+              </a:spcAft>
+              <a:defRPr sz="1400" b="1">
+                <a:solidFill>
+                  <a:srgbClr val="333333"/>
+                </a:solidFill>
+              </a:defRPr>
+            </a:pPr>
+            <a:r>
+              <a:t>샘플역(2호선) - 도보 5분</a:t>
+            </a:r>
+          </a:p>
+          <a:p>
+            <a:pPr>
+              <a:defRPr sz="1400" b="1">
+                <a:solidFill>
+                  <a:srgbClr val="333333"/>
+                </a:solidFill>
+              </a:defRPr>
+            </a:pPr>
+            <a:r>
+              <a:t>강남역 - 대중교통 35분</a:t>
+            </a:r>
+          </a:p>
+        </p:txBody>
+      </p:sp>
+      <p:sp>
+        <p:nvSpPr>
+          <p:cNvPr id="7" name="TextBox 6"/>
+          <p:cNvSpPr txBox="1"/>
+          <p:nvPr/>
+        </p:nvSpPr>
+        <p:spPr>
+          <a:xfrm>
+            <a:off x="457200" y="1828800"/>
+            <a:ext cx="3931920" cy="274320"/>
+          </a:xfrm>
+          <a:prstGeom prst="rect">
+            <a:avLst/>
+          </a:prstGeom>
+          <a:noFill/>
+        </p:spPr>
+        <p:txBody>
+          <a:bodyPr wrap="none">
+            <a:spAutoFit/>
+          </a:bodyPr>
+          <a:lstStyle/>
+          <a:p>
+            <a:pPr>
+              <a:defRPr sz="1000" b="1">
+                <a:solidFill>
+                  <a:srgbClr val="C8102E"/>
+                </a:solidFill>
+              </a:defRPr>
+            </a:pPr>
+            <a:r>
+              <a:t>도보 경로</a:t>
+            </a:r>
+          </a:p>
+        </p:txBody>
+      </p:sp>
+      <p:pic>
+        <p:nvPicPr>
+          <p:cNvPr id="8" name="Picture 7" descr="walk_route.png"/>
+          <p:cNvPicPr>
+            <a:picLocks noChangeAspect="1"/>
+          </p:cNvPicPr>
+          <p:nvPr/>
+        </p:nvPicPr>
+        <p:blipFill>
+          <a:blip r:embed="rId2"/>
+          <a:stretch>
+            <a:fillRect/>
+          </a:stretch>
+        </p:blipFill>
+        <p:spPr>
+          <a:xfrm>
+            <a:off x="457200" y="2103120"/>
+            <a:ext cx="3931920" cy="3200400"/>
+          </a:xfrm>
+          <a:prstGeom prst="rect">
+            <a:avLst/>
+          </a:prstGeom>
+        </p:spPr>
+      </p:pic>
+      <p:sp>
+        <p:nvSpPr>
+          <p:cNvPr id="9" name="TextBox 8"/>
+          <p:cNvSpPr txBox="1"/>
+          <p:nvPr/>
+        </p:nvSpPr>
+        <p:spPr>
+          <a:xfrm>
+            <a:off x="4754880" y="1828800"/>
+            <a:ext cx="3931920" cy="274320"/>
+          </a:xfrm>
+          <a:prstGeom prst="rect">
+            <a:avLst/>
+          </a:prstGeom>
+          <a:noFill/>
+        </p:spPr>
+        <p:txBody>
+          <a:bodyPr wrap="none">
+            <a:spAutoFit/>
+          </a:bodyPr>
+          <a:lstStyle/>
+          <a:p>
+            <a:pPr>
+              <a:defRPr sz="1000" b="1">
+                <a:solidFill>
+                  <a:srgbClr val="C8102E"/>
+                </a:solidFill>
+              </a:defRPr>
+            </a:pPr>
+            <a:r>
+              <a:t>대중교통 경로 (→ 강남역)</a:t>
+            </a:r>
+          </a:p>
+        </p:txBody>
+      </p:sp>
+      <p:pic>
+        <p:nvPicPr>
+          <p:cNvPr id="10" name="Picture 9" descr="transit_route.png"/>
+          <p:cNvPicPr>
+            <a:picLocks noChangeAspect="1"/>
+          </p:cNvPicPr>
+          <p:nvPr/>
+        </p:nvPicPr>
+        <p:blipFill>
+          <a:blip r:embed="rId3"/>
+          <a:stretch>
+            <a:fillRect/>
+          </a:stretch>
+        </p:blipFill>
+        <p:spPr>
+          <a:xfrm>
+            <a:off x="4754880" y="2103120"/>
+            <a:ext cx="3931920" cy="3200400"/>
+          </a:xfrm>
+          <a:prstGeom prst="rect">
+            <a:avLst/>
+          </a:prstGeom>
+        </p:spPr>
+      </p:pic>
+      <p:sp>
+        <p:nvSpPr>
+          <p:cNvPr id="11" name="TextBox 10"/>
+          <p:cNvSpPr txBox="1"/>
+          <p:nvPr/>
+        </p:nvSpPr>
+        <p:spPr>
+          <a:xfrm>
+            <a:off x="457200" y="5943600"/>
+            <a:ext cx="4572000" cy="274320"/>
+          </a:xfrm>
+          <a:prstGeom prst="rect">
+            <a:avLst/>
+          </a:prstGeom>
+          <a:noFill/>
+        </p:spPr>
+        <p:txBody>
+          <a:bodyPr wrap="none">
+            <a:spAutoFit/>
+          </a:bodyPr>
+          <a:lstStyle/>
+          <a:p>
+            <a:pPr>
+              <a:defRPr sz="800">
+                <a:solidFill>
+                  <a:srgbClr val="999999"/>
+                </a:solidFill>
+              </a:defRPr>
+            </a:pPr>
+            <a:r>
+              <a:t>*네이버지도 (https://map.naver.com)</a:t>
+            </a:r>
+          </a:p>
+        </p:txBody>
+      </p:sp>
+    </p:spTree>
+  </p:cSld>
+  <p:clrMapOvr>
+    <a:masterClrMapping/>
+  </p:clrMapOvr>
+</p:sld>
+</file>
+
+<file path=ppt/slides/slide6.xml><?xml version="1.0" encoding="utf-8"?>
+<p:sld xmlns:a="http://schemas.openxmlformats.org/drawingml/2006/main" xmlns:p="http://schemas.openxmlformats.org/presentationml/2006/main" xmlns:r="http://schemas.openxmlformats.org/officeDocument/2006/relationships">
+  <p:cSld>
+    <p:spTree>
+      <p:nvGrpSpPr>
+        <p:cNvPr id="1" name=""/>
+        <p:cNvGrpSpPr/>
+        <p:nvPr/>
+      </p:nvGrpSpPr>
+      <p:grpSpPr/>
+      <p:sp>
+        <p:nvSpPr>
+          <p:cNvPr id="2" name="Rectangle 1"/>
+          <p:cNvSpPr/>
+          <p:nvPr/>
+        </p:nvSpPr>
+        <p:spPr>
+          <a:xfrm>
+            <a:off x="274320" y="320040"/>
+            <a:ext cx="101600" cy="365760"/>
+          </a:xfrm>
+          <a:prstGeom prst="rect">
+            <a:avLst/>
+          </a:prstGeom>
+          <a:solidFill>
+            <a:srgbClr val="C8102E"/>
+          </a:solidFill>
+          <a:ln>
+            <a:noFill/>
+          </a:ln>
+        </p:spPr>
+        <p:style>
+          <a:lnRef idx="1">
+            <a:schemeClr val="accent1"/>
+          </a:lnRef>
+          <a:fillRef idx="3">
+            <a:schemeClr val="accent1"/>
+          </a:fillRef>
+          <a:effectRef idx="2">
+            <a:schemeClr val="accent1"/>
+          </a:effectRef>
+          <a:fontRef idx="minor">
+            <a:schemeClr val="lt1"/>
+          </a:fontRef>
+        </p:style>
+        <p:txBody>
+          <a:bodyPr rtlCol="0" anchor="ctr"/>
+          <a:lstStyle/>
+          <a:p>
+            <a:pPr algn="ctr"/>
+          </a:p>
+        </p:txBody>
+      </p:sp>
+      <p:sp>
+        <p:nvSpPr>
+          <p:cNvPr id="3" name="TextBox 2"/>
+          <p:cNvSpPr txBox="1"/>
+          <p:nvPr/>
+        </p:nvSpPr>
+        <p:spPr>
+          <a:xfrm>
+            <a:off x="548640" y="274320"/>
+            <a:ext cx="5486400" cy="457200"/>
+          </a:xfrm>
+          <a:prstGeom prst="rect">
+            <a:avLst/>
+          </a:prstGeom>
+          <a:noFill/>
+        </p:spPr>
+        <p:txBody>
+          <a:bodyPr wrap="none">
+            <a:spAutoFit/>
+          </a:bodyPr>
+          <a:lstStyle/>
+          <a:p>
+            <a:pPr>
+              <a:defRPr sz="2200" b="1">
+                <a:solidFill>
+                  <a:srgbClr val="333333"/>
+                </a:solidFill>
+              </a:defRPr>
+            </a:pPr>
+            <a:r>
+              <a:t>학구도(초등학교)</a:t>
+            </a:r>
+          </a:p>
+        </p:txBody>
+      </p:sp>
+      <p:sp>
+        <p:nvSpPr>
+          <p:cNvPr id="4" name="TextBox 3"/>
+          <p:cNvSpPr txBox="1"/>
+          <p:nvPr/>
+        </p:nvSpPr>
+        <p:spPr>
+          <a:xfrm>
+            <a:off x="6858000" y="274320"/>
+            <a:ext cx="1828800" cy="457200"/>
+          </a:xfrm>
+          <a:prstGeom prst="rect">
+            <a:avLst/>
+          </a:prstGeom>
+          <a:noFill/>
+        </p:spPr>
+        <p:txBody>
+          <a:bodyPr wrap="none">
+            <a:spAutoFit/>
+          </a:bodyPr>
+          <a:lstStyle/>
+          <a:p>
+            <a:pPr algn="r">
+              <a:defRPr sz="1400">
+                <a:solidFill>
+                  <a:srgbClr val="999999"/>
+                </a:solidFill>
+              </a:defRPr>
+            </a:pPr>
+            <a:r>
+              <a:t>학군지도</a:t>
+            </a:r>
+          </a:p>
+        </p:txBody>
+      </p:sp>
+      <p:sp>
+        <p:nvSpPr>
+          <p:cNvPr id="5" name="Rectangle 4"/>
+          <p:cNvSpPr/>
+          <p:nvPr/>
+        </p:nvSpPr>
+        <p:spPr>
+          <a:xfrm>
+            <a:off x="274320" y="777240"/>
+            <a:ext cx="8595360" cy="12700"/>
+          </a:xfrm>
+          <a:prstGeom prst="rect">
+            <a:avLst/>
+          </a:prstGeom>
+          <a:solidFill>
+            <a:srgbClr val="E0E0E0"/>
+          </a:solidFill>
+          <a:ln>
+            <a:noFill/>
+          </a:ln>
+        </p:spPr>
+        <p:style>
+          <a:lnRef idx="1">
+            <a:schemeClr val="accent1"/>
+          </a:lnRef>
+          <a:fillRef idx="3">
+            <a:schemeClr val="accent1"/>
+          </a:fillRef>
+          <a:effectRef idx="2">
+            <a:schemeClr val="accent1"/>
+          </a:effectRef>
+          <a:fontRef idx="minor">
+            <a:schemeClr val="lt1"/>
+          </a:fontRef>
+        </p:style>
+        <p:txBody>
+          <a:bodyPr rtlCol="0" anchor="ctr"/>
+          <a:lstStyle/>
+          <a:p>
+            <a:pPr algn="ctr"/>
+          </a:p>
+        </p:txBody>
+      </p:sp>
+      <p:pic>
+        <p:nvPicPr>
+          <p:cNvPr id="6" name="Picture 5" descr="elementary_zone.png"/>
+          <p:cNvPicPr>
+            <a:picLocks noChangeAspect="1"/>
+          </p:cNvPicPr>
+          <p:nvPr/>
+        </p:nvPicPr>
+        <p:blipFill>
+          <a:blip r:embed="rId2"/>
+          <a:stretch>
+            <a:fillRect/>
+          </a:stretch>
+        </p:blipFill>
+        <p:spPr>
+          <a:xfrm>
+            <a:off x="457200" y="1097280"/>
+            <a:ext cx="5943600" cy="4389120"/>
+          </a:xfrm>
+          <a:prstGeom prst="rect">
+            <a:avLst/>
+          </a:prstGeom>
+        </p:spPr>
+      </p:pic>
+      <p:sp>
+        <p:nvSpPr>
+          <p:cNvPr id="7" name="TextBox 6"/>
+          <p:cNvSpPr txBox="1"/>
+          <p:nvPr/>
+        </p:nvSpPr>
+        <p:spPr>
+          <a:xfrm>
+            <a:off x="6675120" y="1371600"/>
+            <a:ext cx="2011680" cy="1371600"/>
+          </a:xfrm>
+          <a:prstGeom prst="rect">
+            <a:avLst/>
+          </a:prstGeom>
+          <a:noFill/>
+        </p:spPr>
+        <p:txBody>
+          <a:bodyPr wrap="square">
+            <a:spAutoFit/>
+          </a:bodyPr>
+          <a:lstStyle/>
+          <a:p>
+            <a:pPr>
+              <a:spcAft>
+                <a:spcPts val="800"/>
+              </a:spcAft>
+              <a:defRPr sz="1100" b="1">
+                <a:solidFill>
+                  <a:srgbClr val="C8102E"/>
+                </a:solidFill>
+              </a:defRPr>
+            </a:pPr>
+            <a:r>
+              <a:t>배정 초등학교</a:t>
+            </a:r>
+          </a:p>
+          <a:p>
+            <a:pPr>
+              <a:defRPr sz="1300" b="1">
+                <a:solidFill>
+                  <a:srgbClr val="333333"/>
+                </a:solidFill>
+              </a:defRPr>
+            </a:pPr>
+            <a:r>
+              <a:t>서울샘플단지_605초등학교</a:t>
+            </a:r>
+          </a:p>
+        </p:txBody>
+      </p:sp>
+      <p:sp>
+        <p:nvSpPr>
+          <p:cNvPr id="8" name="TextBox 7"/>
+          <p:cNvSpPr txBox="1"/>
+          <p:nvPr/>
+        </p:nvSpPr>
+        <p:spPr>
+          <a:xfrm>
+            <a:off x="457200" y="5943600"/>
+            <a:ext cx="4572000" cy="274320"/>
+          </a:xfrm>
+          <a:prstGeom prst="rect">
+            <a:avLst/>
+          </a:prstGeom>
+          <a:noFill/>
+        </p:spPr>
+        <p:txBody>
+          <a:bodyPr wrap="none">
+            <a:spAutoFit/>
+          </a:bodyPr>
+          <a:lstStyle/>
+          <a:p>
+            <a:pPr>
+              <a:defRPr sz="800">
+                <a:solidFill>
+                  <a:srgbClr val="999999"/>
+                </a:solidFill>
+              </a:defRPr>
+            </a:pPr>
+            <a:r>
+              <a:t>*학구도안내서비스 (https://schoolzone.emac.kr)  *네이버지도</a:t>
+            </a:r>
+          </a:p>
+        </p:txBody>
+      </p:sp>
+    </p:spTree>
+  </p:cSld>
+  <p:clrMapOvr>
+    <a:masterClrMapping/>
+  </p:clrMapOvr>
+</p:sld>
+</file>
+
+<file path=ppt/slides/slide7.xml><?xml version="1.0" encoding="utf-8"?>
+<p:sld xmlns:a="http://schemas.openxmlformats.org/drawingml/2006/main" xmlns:p="http://schemas.openxmlformats.org/presentationml/2006/main" xmlns:r="http://schemas.openxmlformats.org/officeDocument/2006/relationships">
+  <p:cSld>
+    <p:spTree>
+      <p:nvGrpSpPr>
+        <p:cNvPr id="1" name=""/>
+        <p:cNvGrpSpPr/>
+        <p:nvPr/>
+      </p:nvGrpSpPr>
+      <p:grpSpPr/>
+      <p:sp>
+        <p:nvSpPr>
+          <p:cNvPr id="2" name="Rectangle 1"/>
+          <p:cNvSpPr/>
+          <p:nvPr/>
+        </p:nvSpPr>
+        <p:spPr>
+          <a:xfrm>
+            <a:off x="274320" y="320040"/>
+            <a:ext cx="101600" cy="365760"/>
+          </a:xfrm>
+          <a:prstGeom prst="rect">
+            <a:avLst/>
+          </a:prstGeom>
+          <a:solidFill>
+            <a:srgbClr val="C8102E"/>
+          </a:solidFill>
+          <a:ln>
+            <a:noFill/>
+          </a:ln>
+        </p:spPr>
+        <p:style>
+          <a:lnRef idx="1">
+            <a:schemeClr val="accent1"/>
+          </a:lnRef>
+          <a:fillRef idx="3">
+            <a:schemeClr val="accent1"/>
+          </a:fillRef>
+          <a:effectRef idx="2">
+            <a:schemeClr val="accent1"/>
+          </a:effectRef>
+          <a:fontRef idx="minor">
+            <a:schemeClr val="lt1"/>
+          </a:fontRef>
+        </p:style>
+        <p:txBody>
+          <a:bodyPr rtlCol="0" anchor="ctr"/>
+          <a:lstStyle/>
+          <a:p>
+            <a:pPr algn="ctr"/>
+          </a:p>
+        </p:txBody>
+      </p:sp>
+      <p:sp>
+        <p:nvSpPr>
+          <p:cNvPr id="3" name="TextBox 2"/>
+          <p:cNvSpPr txBox="1"/>
+          <p:nvPr/>
+        </p:nvSpPr>
+        <p:spPr>
+          <a:xfrm>
+            <a:off x="548640" y="274320"/>
+            <a:ext cx="5486400" cy="457200"/>
+          </a:xfrm>
+          <a:prstGeom prst="rect">
+            <a:avLst/>
+          </a:prstGeom>
+          <a:noFill/>
+        </p:spPr>
+        <p:txBody>
+          <a:bodyPr wrap="none">
+            <a:spAutoFit/>
+          </a:bodyPr>
+          <a:lstStyle/>
+          <a:p>
+            <a:pPr>
+              <a:defRPr sz="2200" b="1">
+                <a:solidFill>
+                  <a:srgbClr val="333333"/>
+                </a:solidFill>
+              </a:defRPr>
+            </a:pPr>
+            <a:r>
+              <a:t>학군지도(중·고등학교)</a:t>
+            </a:r>
+          </a:p>
+        </p:txBody>
+      </p:sp>
+      <p:sp>
+        <p:nvSpPr>
+          <p:cNvPr id="4" name="TextBox 3"/>
+          <p:cNvSpPr txBox="1"/>
+          <p:nvPr/>
+        </p:nvSpPr>
+        <p:spPr>
+          <a:xfrm>
+            <a:off x="6858000" y="274320"/>
+            <a:ext cx="1828800" cy="457200"/>
+          </a:xfrm>
+          <a:prstGeom prst="rect">
+            <a:avLst/>
+          </a:prstGeom>
+          <a:noFill/>
+        </p:spPr>
+        <p:txBody>
+          <a:bodyPr wrap="none">
+            <a:spAutoFit/>
+          </a:bodyPr>
+          <a:lstStyle/>
+          <a:p>
+            <a:pPr algn="r">
+              <a:defRPr sz="1400">
+                <a:solidFill>
+                  <a:srgbClr val="999999"/>
+                </a:solidFill>
+              </a:defRPr>
+            </a:pPr>
+            <a:r>
+              <a:t>학군지도</a:t>
+            </a:r>
+          </a:p>
+        </p:txBody>
+      </p:sp>
+      <p:sp>
+        <p:nvSpPr>
+          <p:cNvPr id="5" name="Rectangle 4"/>
+          <p:cNvSpPr/>
+          <p:nvPr/>
+        </p:nvSpPr>
+        <p:spPr>
+          <a:xfrm>
+            <a:off x="274320" y="777240"/>
+            <a:ext cx="8595360" cy="12700"/>
+          </a:xfrm>
+          <a:prstGeom prst="rect">
+            <a:avLst/>
+          </a:prstGeom>
+          <a:solidFill>
+            <a:srgbClr val="E0E0E0"/>
+          </a:solidFill>
+          <a:ln>
+            <a:noFill/>
+          </a:ln>
+        </p:spPr>
+        <p:style>
+          <a:lnRef idx="1">
+            <a:schemeClr val="accent1"/>
+          </a:lnRef>
+          <a:fillRef idx="3">
+            <a:schemeClr val="accent1"/>
+          </a:fillRef>
+          <a:effectRef idx="2">
+            <a:schemeClr val="accent1"/>
+          </a:effectRef>
+          <a:fontRef idx="minor">
+            <a:schemeClr val="lt1"/>
+          </a:fontRef>
+        </p:style>
+        <p:txBody>
+          <a:bodyPr rtlCol="0" anchor="ctr"/>
+          <a:lstStyle/>
+          <a:p>
+            <a:pPr algn="ctr"/>
+          </a:p>
+        </p:txBody>
+      </p:sp>
+      <p:pic>
+        <p:nvPicPr>
+          <p:cNvPr id="6" name="Picture 5" descr="middle_high_zone.png"/>
+          <p:cNvPicPr>
+            <a:picLocks noChangeAspect="1"/>
+          </p:cNvPicPr>
+          <p:nvPr/>
+        </p:nvPicPr>
+        <p:blipFill>
+          <a:blip r:embed="rId2"/>
+          <a:stretch>
+            <a:fillRect/>
+          </a:stretch>
+        </p:blipFill>
+        <p:spPr>
+          <a:xfrm>
+            <a:off x="457200" y="1097280"/>
+            <a:ext cx="8229600" cy="4389120"/>
+          </a:xfrm>
+          <a:prstGeom prst="rect">
+            <a:avLst/>
+          </a:prstGeom>
+        </p:spPr>
+      </p:pic>
+      <p:sp>
+        <p:nvSpPr>
+          <p:cNvPr id="7" name="TextBox 6"/>
+          <p:cNvSpPr txBox="1"/>
+          <p:nvPr/>
+        </p:nvSpPr>
+        <p:spPr>
+          <a:xfrm>
+            <a:off x="457200" y="5943600"/>
+            <a:ext cx="4572000" cy="274320"/>
+          </a:xfrm>
+          <a:prstGeom prst="rect">
+            <a:avLst/>
+          </a:prstGeom>
+          <a:noFill/>
+        </p:spPr>
+        <p:txBody>
+          <a:bodyPr wrap="none">
+            <a:spAutoFit/>
+          </a:bodyPr>
+          <a:lstStyle/>
+          <a:p>
+            <a:pPr>
+              <a:defRPr sz="800">
+                <a:solidFill>
+                  <a:srgbClr val="999999"/>
+                </a:solidFill>
+              </a:defRPr>
+            </a:pPr>
+            <a:r>
+              <a:t>*아실 (https://asil.kr)</a:t>
+            </a:r>
+          </a:p>
+        </p:txBody>
+      </p:sp>
+    </p:spTree>
+  </p:cSld>
+  <p:clrMapOvr>
+    <a:masterClrMapping/>
+  </p:clrMapOvr>
+</p:sld>
+</file>
+
+<file path=ppt/slides/slide8.xml><?xml version="1.0" encoding="utf-8"?>
+<p:sld xmlns:a="http://schemas.openxmlformats.org/drawingml/2006/main" xmlns:p="http://schemas.openxmlformats.org/presentationml/2006/main" xmlns:r="http://schemas.openxmlformats.org/officeDocument/2006/relationships">
+  <p:cSld>
+    <p:spTree>
+      <p:nvGrpSpPr>
+        <p:cNvPr id="1" name=""/>
+        <p:cNvGrpSpPr/>
+        <p:nvPr/>
+      </p:nvGrpSpPr>
+      <p:grpSpPr/>
+      <p:sp>
+        <p:nvSpPr>
+          <p:cNvPr id="2" name="Rectangle 1"/>
+          <p:cNvSpPr/>
+          <p:nvPr/>
+        </p:nvSpPr>
+        <p:spPr>
+          <a:xfrm>
+            <a:off x="274320" y="320040"/>
+            <a:ext cx="101600" cy="365760"/>
+          </a:xfrm>
+          <a:prstGeom prst="rect">
+            <a:avLst/>
+          </a:prstGeom>
+          <a:solidFill>
+            <a:srgbClr val="C8102E"/>
+          </a:solidFill>
+          <a:ln>
+            <a:noFill/>
+          </a:ln>
+        </p:spPr>
+        <p:style>
+          <a:lnRef idx="1">
+            <a:schemeClr val="accent1"/>
+          </a:lnRef>
+          <a:fillRef idx="3">
+            <a:schemeClr val="accent1"/>
+          </a:fillRef>
+          <a:effectRef idx="2">
+            <a:schemeClr val="accent1"/>
+          </a:effectRef>
+          <a:fontRef idx="minor">
+            <a:schemeClr val="lt1"/>
+          </a:fontRef>
+        </p:style>
+        <p:txBody>
+          <a:bodyPr rtlCol="0" anchor="ctr"/>
+          <a:lstStyle/>
+          <a:p>
+            <a:pPr algn="ctr"/>
+          </a:p>
+        </p:txBody>
+      </p:sp>
+      <p:sp>
+        <p:nvSpPr>
+          <p:cNvPr id="3" name="TextBox 2"/>
+          <p:cNvSpPr txBox="1"/>
+          <p:nvPr/>
+        </p:nvSpPr>
+        <p:spPr>
+          <a:xfrm>
+            <a:off x="548640" y="274320"/>
+            <a:ext cx="5486400" cy="457200"/>
+          </a:xfrm>
+          <a:prstGeom prst="rect">
+            <a:avLst/>
+          </a:prstGeom>
+          <a:noFill/>
+        </p:spPr>
+        <p:txBody>
+          <a:bodyPr wrap="none">
+            <a:spAutoFit/>
+          </a:bodyPr>
+          <a:lstStyle/>
+          <a:p>
+            <a:pPr>
+              <a:defRPr sz="2200" b="1">
+                <a:solidFill>
+                  <a:srgbClr val="333333"/>
+                </a:solidFill>
+              </a:defRPr>
+            </a:pPr>
+            <a:r>
+              <a:t>샘플단지_605</a:t>
+            </a:r>
+          </a:p>
+        </p:txBody>
+      </p:sp>
+      <p:sp>
+        <p:nvSpPr>
+          <p:cNvPr id="4" name="TextBox 3"/>
+          <p:cNvSpPr txBox="1"/>
+          <p:nvPr/>
+        </p:nvSpPr>
+        <p:spPr>
+          <a:xfrm>
+            <a:off x="6858000" y="274320"/>
+            <a:ext cx="1828800" cy="457200"/>
+          </a:xfrm>
+          <a:prstGeom prst="rect">
+            <a:avLst/>
+          </a:prstGeom>
+          <a:noFill/>
+        </p:spPr>
+        <p:txBody>
+          <a:bodyPr wrap="none">
+            <a:spAutoFit/>
+          </a:bodyPr>
+          <a:lstStyle/>
+          <a:p>
+            <a:pPr algn="r">
+              <a:defRPr sz="1400">
+                <a:solidFill>
+                  <a:srgbClr val="999999"/>
+                </a:solidFill>
+              </a:defRPr>
+            </a:pPr>
+            <a:r>
+              <a:t>실거래가</a:t>
+            </a:r>
+          </a:p>
+        </p:txBody>
+      </p:sp>
+      <p:sp>
+        <p:nvSpPr>
+          <p:cNvPr id="5" name="Rectangle 4"/>
+          <p:cNvSpPr/>
+          <p:nvPr/>
+        </p:nvSpPr>
+        <p:spPr>
+          <a:xfrm>
+            <a:off x="274320" y="777240"/>
+            <a:ext cx="8595360" cy="12700"/>
+          </a:xfrm>
+          <a:prstGeom prst="rect">
+            <a:avLst/>
+          </a:prstGeom>
+          <a:solidFill>
+            <a:srgbClr val="E0E0E0"/>
+          </a:solidFill>
+          <a:ln>
+            <a:noFill/>
+          </a:ln>
+        </p:spPr>
+        <p:style>
+          <a:lnRef idx="1">
+            <a:schemeClr val="accent1"/>
+          </a:lnRef>
+          <a:fillRef idx="3">
+            <a:schemeClr val="accent1"/>
+          </a:fillRef>
+          <a:effectRef idx="2">
+            <a:schemeClr val="accent1"/>
+          </a:effectRef>
+          <a:fontRef idx="minor">
+            <a:schemeClr val="lt1"/>
+          </a:fontRef>
+        </p:style>
+        <p:txBody>
+          <a:bodyPr rtlCol="0" anchor="ctr"/>
+          <a:lstStyle/>
+          <a:p>
+            <a:pPr algn="ctr"/>
+          </a:p>
+        </p:txBody>
+      </p:sp>
+      <p:sp>
+        <p:nvSpPr>
+          <p:cNvPr id="6" name="TextBox 5"/>
+          <p:cNvSpPr txBox="1"/>
+          <p:nvPr/>
+        </p:nvSpPr>
+        <p:spPr>
+          <a:xfrm>
             <a:off x="457200" y="1097280"/>
             <a:ext cx="8229600" cy="1097280"/>
           </a:xfrm>
@@ -5051,7 +5306,7 @@
               </a:defRPr>
             </a:pPr>
             <a:r>
-              <a:t>샘플단지_2345은(는) 2026년 1월 [2]건, 2026년 1월 [1]건 거래되었습니다.</a:t>
+              <a:t>샘플단지_605은(는) 2026년 1월 [2]건, 2026년 1월 [1]건 거래되었습니다.</a:t>
             </a:r>
           </a:p>
           <a:p>
@@ -5525,7 +5780,7 @@
 </p:sld>
 </file>
 
-<file path=ppt/slides/slide6.xml><?xml version="1.0" encoding="utf-8"?>
+<file path=ppt/slides/slide9.xml><?xml version="1.0" encoding="utf-8"?>
 <p:sld xmlns:a="http://schemas.openxmlformats.org/drawingml/2006/main" xmlns:p="http://schemas.openxmlformats.org/presentationml/2006/main" xmlns:r="http://schemas.openxmlformats.org/officeDocument/2006/relationships">
   <p:cSld>
     <p:spTree>
@@ -5608,7 +5863,7 @@
               </a:defRPr>
             </a:pPr>
             <a:r>
-              <a:t>샘플단지_2345 - 124동 7/15층</a:t>
+              <a:t>샘플단지_605 - 미입력 미입력</a:t>
             </a:r>
           </a:p>
         </p:txBody>
@@ -5794,7 +6049,7 @@
               </a:defRPr>
             </a:pPr>
             <a:r>
-              <a:t>매매가: 6.4억</a:t>
+              <a:t>매매가: 미입력</a:t>
             </a:r>
           </a:p>
           <a:p>
@@ -5809,1379 +6064,7 @@
               </a:defRPr>
             </a:pPr>
             <a:r>
-              <a:t>동/층: 124동 / 7/15층</a:t>
-            </a:r>
-          </a:p>
-          <a:p>
-            <a:pPr>
-              <a:spcAft>
-                <a:spcPts val="400"/>
-              </a:spcAft>
-              <a:defRPr sz="1100">
-                <a:solidFill>
-                  <a:srgbClr val="555555"/>
-                </a:solidFill>
-              </a:defRPr>
-            </a:pPr>
-            <a:r>
-              <a:t>향: 동향</a:t>
-            </a:r>
-          </a:p>
-          <a:p>
-            <a:pPr>
-              <a:spcAft>
-                <a:spcPts val="400"/>
-              </a:spcAft>
-              <a:defRPr sz="1100">
-                <a:solidFill>
-                  <a:srgbClr val="555555"/>
-                </a:solidFill>
-              </a:defRPr>
-            </a:pPr>
-            <a:r>
-              <a:t>구조: 복도식 방2화1</a:t>
-            </a:r>
-          </a:p>
-          <a:p>
-            <a:pPr>
-              <a:spcAft>
-                <a:spcPts val="400"/>
-              </a:spcAft>
-              <a:defRPr sz="1100">
-                <a:solidFill>
-                  <a:srgbClr val="555555"/>
-                </a:solidFill>
-              </a:defRPr>
-            </a:pPr>
-            <a:r>
-              <a:t>특이사항: 샷시교체, 욕실수리</a:t>
-            </a:r>
-          </a:p>
-        </p:txBody>
-      </p:sp>
-    </p:spTree>
-  </p:cSld>
-  <p:clrMapOvr>
-    <a:masterClrMapping/>
-  </p:clrMapOvr>
-</p:sld>
-</file>
-
-<file path=ppt/slides/slide7.xml><?xml version="1.0" encoding="utf-8"?>
-<p:sld xmlns:a="http://schemas.openxmlformats.org/drawingml/2006/main" xmlns:p="http://schemas.openxmlformats.org/presentationml/2006/main" xmlns:r="http://schemas.openxmlformats.org/officeDocument/2006/relationships">
-  <p:cSld>
-    <p:spTree>
-      <p:nvGrpSpPr>
-        <p:cNvPr id="1" name=""/>
-        <p:cNvGrpSpPr/>
-        <p:nvPr/>
-      </p:nvGrpSpPr>
-      <p:grpSpPr/>
-      <p:sp>
-        <p:nvSpPr>
-          <p:cNvPr id="2" name="Rectangle 1"/>
-          <p:cNvSpPr/>
-          <p:nvPr/>
-        </p:nvSpPr>
-        <p:spPr>
-          <a:xfrm>
-            <a:off x="274320" y="320040"/>
-            <a:ext cx="101600" cy="365760"/>
-          </a:xfrm>
-          <a:prstGeom prst="rect">
-            <a:avLst/>
-          </a:prstGeom>
-          <a:solidFill>
-            <a:srgbClr val="C8102E"/>
-          </a:solidFill>
-          <a:ln>
-            <a:noFill/>
-          </a:ln>
-        </p:spPr>
-        <p:style>
-          <a:lnRef idx="1">
-            <a:schemeClr val="accent1"/>
-          </a:lnRef>
-          <a:fillRef idx="3">
-            <a:schemeClr val="accent1"/>
-          </a:fillRef>
-          <a:effectRef idx="2">
-            <a:schemeClr val="accent1"/>
-          </a:effectRef>
-          <a:fontRef idx="minor">
-            <a:schemeClr val="lt1"/>
-          </a:fontRef>
-        </p:style>
-        <p:txBody>
-          <a:bodyPr rtlCol="0" anchor="ctr"/>
-          <a:lstStyle/>
-          <a:p>
-            <a:pPr algn="ctr"/>
-          </a:p>
-        </p:txBody>
-      </p:sp>
-      <p:sp>
-        <p:nvSpPr>
-          <p:cNvPr id="3" name="TextBox 2"/>
-          <p:cNvSpPr txBox="1"/>
-          <p:nvPr/>
-        </p:nvSpPr>
-        <p:spPr>
-          <a:xfrm>
-            <a:off x="548640" y="274320"/>
-            <a:ext cx="5486400" cy="457200"/>
-          </a:xfrm>
-          <a:prstGeom prst="rect">
-            <a:avLst/>
-          </a:prstGeom>
-          <a:noFill/>
-        </p:spPr>
-        <p:txBody>
-          <a:bodyPr wrap="none">
-            <a:spAutoFit/>
-          </a:bodyPr>
-          <a:lstStyle/>
-          <a:p>
-            <a:pPr>
-              <a:defRPr sz="2000" b="1">
-                <a:solidFill>
-                  <a:srgbClr val="333333"/>
-                </a:solidFill>
-              </a:defRPr>
-            </a:pPr>
-            <a:r>
-              <a:t>샘플단지_2345 - 115동 12/15층</a:t>
-            </a:r>
-          </a:p>
-        </p:txBody>
-      </p:sp>
-      <p:sp>
-        <p:nvSpPr>
-          <p:cNvPr id="4" name="TextBox 3"/>
-          <p:cNvSpPr txBox="1"/>
-          <p:nvPr/>
-        </p:nvSpPr>
-        <p:spPr>
-          <a:xfrm>
-            <a:off x="6858000" y="274320"/>
-            <a:ext cx="1828800" cy="457200"/>
-          </a:xfrm>
-          <a:prstGeom prst="rect">
-            <a:avLst/>
-          </a:prstGeom>
-          <a:noFill/>
-        </p:spPr>
-        <p:txBody>
-          <a:bodyPr wrap="none">
-            <a:spAutoFit/>
-          </a:bodyPr>
-          <a:lstStyle/>
-          <a:p>
-            <a:pPr algn="r">
-              <a:defRPr sz="1400">
-                <a:solidFill>
-                  <a:srgbClr val="999999"/>
-                </a:solidFill>
-              </a:defRPr>
-            </a:pPr>
-            <a:r>
-              <a:t>매물정보</a:t>
-            </a:r>
-          </a:p>
-        </p:txBody>
-      </p:sp>
-      <p:sp>
-        <p:nvSpPr>
-          <p:cNvPr id="5" name="Rectangle 4"/>
-          <p:cNvSpPr/>
-          <p:nvPr/>
-        </p:nvSpPr>
-        <p:spPr>
-          <a:xfrm>
-            <a:off x="274320" y="777240"/>
-            <a:ext cx="8595360" cy="12700"/>
-          </a:xfrm>
-          <a:prstGeom prst="rect">
-            <a:avLst/>
-          </a:prstGeom>
-          <a:solidFill>
-            <a:srgbClr val="E0E0E0"/>
-          </a:solidFill>
-          <a:ln>
-            <a:noFill/>
-          </a:ln>
-        </p:spPr>
-        <p:style>
-          <a:lnRef idx="1">
-            <a:schemeClr val="accent1"/>
-          </a:lnRef>
-          <a:fillRef idx="3">
-            <a:schemeClr val="accent1"/>
-          </a:fillRef>
-          <a:effectRef idx="2">
-            <a:schemeClr val="accent1"/>
-          </a:effectRef>
-          <a:fontRef idx="minor">
-            <a:schemeClr val="lt1"/>
-          </a:fontRef>
-        </p:style>
-        <p:txBody>
-          <a:bodyPr rtlCol="0" anchor="ctr"/>
-          <a:lstStyle/>
-          <a:p>
-            <a:pPr algn="ctr"/>
-          </a:p>
-        </p:txBody>
-      </p:sp>
-      <p:sp>
-        <p:nvSpPr>
-          <p:cNvPr id="6" name="TextBox 5"/>
-          <p:cNvSpPr txBox="1"/>
-          <p:nvPr/>
-        </p:nvSpPr>
-        <p:spPr>
-          <a:xfrm>
-            <a:off x="274320" y="1188720"/>
-            <a:ext cx="4114800" cy="3200400"/>
-          </a:xfrm>
-          <a:prstGeom prst="rect">
-            <a:avLst/>
-          </a:prstGeom>
-          <a:noFill/>
-        </p:spPr>
-        <p:txBody>
-          <a:bodyPr wrap="none">
-            <a:spAutoFit/>
-          </a:bodyPr>
-          <a:lstStyle/>
-          <a:p>
-            <a:pPr algn="ctr">
-              <a:defRPr sz="1600">
-                <a:solidFill>
-                  <a:srgbClr val="CCCCCC"/>
-                </a:solidFill>
-              </a:defRPr>
-            </a:pPr>
-            <a:r>
-              <a:t>[단지 내 위치]</a:t>
-            </a:r>
-          </a:p>
-        </p:txBody>
-      </p:sp>
-      <p:sp>
-        <p:nvSpPr>
-          <p:cNvPr id="7" name="TextBox 6"/>
-          <p:cNvSpPr txBox="1"/>
-          <p:nvPr/>
-        </p:nvSpPr>
-        <p:spPr>
-          <a:xfrm>
-            <a:off x="4572000" y="1188720"/>
-            <a:ext cx="4114800" cy="2286000"/>
-          </a:xfrm>
-          <a:prstGeom prst="rect">
-            <a:avLst/>
-          </a:prstGeom>
-          <a:noFill/>
-        </p:spPr>
-        <p:txBody>
-          <a:bodyPr wrap="none">
-            <a:spAutoFit/>
-          </a:bodyPr>
-          <a:lstStyle/>
-          <a:p>
-            <a:pPr algn="ctr">
-              <a:defRPr sz="1600">
-                <a:solidFill>
-                  <a:srgbClr val="CCCCCC"/>
-                </a:solidFill>
-              </a:defRPr>
-            </a:pPr>
-            <a:r>
-              <a:t>[평면도]</a:t>
-            </a:r>
-          </a:p>
-        </p:txBody>
-      </p:sp>
-      <p:sp>
-        <p:nvSpPr>
-          <p:cNvPr id="8" name="TextBox 7"/>
-          <p:cNvSpPr txBox="1"/>
-          <p:nvPr/>
-        </p:nvSpPr>
-        <p:spPr>
-          <a:xfrm>
-            <a:off x="4572000" y="3657600"/>
-            <a:ext cx="4114800" cy="2286000"/>
-          </a:xfrm>
-          <a:prstGeom prst="rect">
-            <a:avLst/>
-          </a:prstGeom>
-          <a:noFill/>
-        </p:spPr>
-        <p:txBody>
-          <a:bodyPr wrap="square">
-            <a:spAutoFit/>
-          </a:bodyPr>
-          <a:lstStyle/>
-          <a:p>
-            <a:pPr>
-              <a:spcAft>
-                <a:spcPts val="400"/>
-              </a:spcAft>
-              <a:defRPr sz="1200" b="1">
-                <a:solidFill>
-                  <a:srgbClr val="333333"/>
-                </a:solidFill>
-              </a:defRPr>
-            </a:pPr>
-            <a:r>
-              <a:t>매매가: 6.6억</a:t>
-            </a:r>
-          </a:p>
-          <a:p>
-            <a:pPr>
-              <a:spcAft>
-                <a:spcPts val="400"/>
-              </a:spcAft>
-              <a:defRPr sz="1100">
-                <a:solidFill>
-                  <a:srgbClr val="555555"/>
-                </a:solidFill>
-              </a:defRPr>
-            </a:pPr>
-            <a:r>
-              <a:t>동/층: 115동 / 12/15층</a:t>
-            </a:r>
-          </a:p>
-          <a:p>
-            <a:pPr>
-              <a:spcAft>
-                <a:spcPts val="400"/>
-              </a:spcAft>
-              <a:defRPr sz="1100">
-                <a:solidFill>
-                  <a:srgbClr val="555555"/>
-                </a:solidFill>
-              </a:defRPr>
-            </a:pPr>
-            <a:r>
-              <a:t>향: 남향</a:t>
-            </a:r>
-          </a:p>
-          <a:p>
-            <a:pPr>
-              <a:spcAft>
-                <a:spcPts val="400"/>
-              </a:spcAft>
-              <a:defRPr sz="1100">
-                <a:solidFill>
-                  <a:srgbClr val="555555"/>
-                </a:solidFill>
-              </a:defRPr>
-            </a:pPr>
-            <a:r>
-              <a:t>구조: 복도식 방3화2</a:t>
-            </a:r>
-          </a:p>
-        </p:txBody>
-      </p:sp>
-    </p:spTree>
-  </p:cSld>
-  <p:clrMapOvr>
-    <a:masterClrMapping/>
-  </p:clrMapOvr>
-</p:sld>
-</file>
-
-<file path=ppt/slides/slide8.xml><?xml version="1.0" encoding="utf-8"?>
-<p:sld xmlns:a="http://schemas.openxmlformats.org/drawingml/2006/main" xmlns:p="http://schemas.openxmlformats.org/presentationml/2006/main" xmlns:r="http://schemas.openxmlformats.org/officeDocument/2006/relationships">
-  <p:cSld>
-    <p:spTree>
-      <p:nvGrpSpPr>
-        <p:cNvPr id="1" name=""/>
-        <p:cNvGrpSpPr/>
-        <p:nvPr/>
-      </p:nvGrpSpPr>
-      <p:grpSpPr/>
-      <p:sp>
-        <p:nvSpPr>
-          <p:cNvPr id="2" name="Rectangle 1"/>
-          <p:cNvSpPr/>
-          <p:nvPr/>
-        </p:nvSpPr>
-        <p:spPr>
-          <a:xfrm>
-            <a:off x="274320" y="320040"/>
-            <a:ext cx="101600" cy="365760"/>
-          </a:xfrm>
-          <a:prstGeom prst="rect">
-            <a:avLst/>
-          </a:prstGeom>
-          <a:solidFill>
-            <a:srgbClr val="C8102E"/>
-          </a:solidFill>
-          <a:ln>
-            <a:noFill/>
-          </a:ln>
-        </p:spPr>
-        <p:style>
-          <a:lnRef idx="1">
-            <a:schemeClr val="accent1"/>
-          </a:lnRef>
-          <a:fillRef idx="3">
-            <a:schemeClr val="accent1"/>
-          </a:fillRef>
-          <a:effectRef idx="2">
-            <a:schemeClr val="accent1"/>
-          </a:effectRef>
-          <a:fontRef idx="minor">
-            <a:schemeClr val="lt1"/>
-          </a:fontRef>
-        </p:style>
-        <p:txBody>
-          <a:bodyPr rtlCol="0" anchor="ctr"/>
-          <a:lstStyle/>
-          <a:p>
-            <a:pPr algn="ctr"/>
-          </a:p>
-        </p:txBody>
-      </p:sp>
-      <p:sp>
-        <p:nvSpPr>
-          <p:cNvPr id="3" name="TextBox 2"/>
-          <p:cNvSpPr txBox="1"/>
-          <p:nvPr/>
-        </p:nvSpPr>
-        <p:spPr>
-          <a:xfrm>
-            <a:off x="548640" y="274320"/>
-            <a:ext cx="5486400" cy="457200"/>
-          </a:xfrm>
-          <a:prstGeom prst="rect">
-            <a:avLst/>
-          </a:prstGeom>
-          <a:noFill/>
-        </p:spPr>
-        <p:txBody>
-          <a:bodyPr wrap="none">
-            <a:spAutoFit/>
-          </a:bodyPr>
-          <a:lstStyle/>
-          <a:p>
-            <a:pPr>
-              <a:defRPr sz="2200" b="1">
-                <a:solidFill>
-                  <a:srgbClr val="333333"/>
-                </a:solidFill>
-              </a:defRPr>
-            </a:pPr>
-            <a:r>
-              <a:t>샘플단지_9999</a:t>
-            </a:r>
-          </a:p>
-        </p:txBody>
-      </p:sp>
-      <p:sp>
-        <p:nvSpPr>
-          <p:cNvPr id="4" name="TextBox 3"/>
-          <p:cNvSpPr txBox="1"/>
-          <p:nvPr/>
-        </p:nvSpPr>
-        <p:spPr>
-          <a:xfrm>
-            <a:off x="6858000" y="274320"/>
-            <a:ext cx="1828800" cy="457200"/>
-          </a:xfrm>
-          <a:prstGeom prst="rect">
-            <a:avLst/>
-          </a:prstGeom>
-          <a:noFill/>
-        </p:spPr>
-        <p:txBody>
-          <a:bodyPr wrap="none">
-            <a:spAutoFit/>
-          </a:bodyPr>
-          <a:lstStyle/>
-          <a:p>
-            <a:pPr algn="r">
-              <a:defRPr sz="1400">
-                <a:solidFill>
-                  <a:srgbClr val="999999"/>
-                </a:solidFill>
-              </a:defRPr>
-            </a:pPr>
-            <a:r>
-              <a:t>개요</a:t>
-            </a:r>
-          </a:p>
-        </p:txBody>
-      </p:sp>
-      <p:sp>
-        <p:nvSpPr>
-          <p:cNvPr id="5" name="Rectangle 4"/>
-          <p:cNvSpPr/>
-          <p:nvPr/>
-        </p:nvSpPr>
-        <p:spPr>
-          <a:xfrm>
-            <a:off x="274320" y="777240"/>
-            <a:ext cx="8595360" cy="12700"/>
-          </a:xfrm>
-          <a:prstGeom prst="rect">
-            <a:avLst/>
-          </a:prstGeom>
-          <a:solidFill>
-            <a:srgbClr val="E0E0E0"/>
-          </a:solidFill>
-          <a:ln>
-            <a:noFill/>
-          </a:ln>
-        </p:spPr>
-        <p:style>
-          <a:lnRef idx="1">
-            <a:schemeClr val="accent1"/>
-          </a:lnRef>
-          <a:fillRef idx="3">
-            <a:schemeClr val="accent1"/>
-          </a:fillRef>
-          <a:effectRef idx="2">
-            <a:schemeClr val="accent1"/>
-          </a:effectRef>
-          <a:fontRef idx="minor">
-            <a:schemeClr val="lt1"/>
-          </a:fontRef>
-        </p:style>
-        <p:txBody>
-          <a:bodyPr rtlCol="0" anchor="ctr"/>
-          <a:lstStyle/>
-          <a:p>
-            <a:pPr algn="ctr"/>
-          </a:p>
-        </p:txBody>
-      </p:sp>
-      <p:sp>
-        <p:nvSpPr>
-          <p:cNvPr id="6" name="TextBox 5"/>
-          <p:cNvSpPr txBox="1"/>
-          <p:nvPr/>
-        </p:nvSpPr>
-        <p:spPr>
-          <a:xfrm>
-            <a:off x="457200" y="1188720"/>
-            <a:ext cx="4114800" cy="2286000"/>
-          </a:xfrm>
-          <a:prstGeom prst="rect">
-            <a:avLst/>
-          </a:prstGeom>
-          <a:noFill/>
-        </p:spPr>
-        <p:txBody>
-          <a:bodyPr wrap="square">
-            <a:spAutoFit/>
-          </a:bodyPr>
-          <a:lstStyle/>
-          <a:p>
-            <a:pPr>
-              <a:spcAft>
-                <a:spcPts val="600"/>
-              </a:spcAft>
-              <a:defRPr sz="1300">
-                <a:solidFill>
-                  <a:srgbClr val="333333"/>
-                </a:solidFill>
-              </a:defRPr>
-            </a:pPr>
-            <a:r>
-              <a:t>샘플단지_9999은(는)</a:t>
-            </a:r>
-          </a:p>
-          <a:p>
-            <a:pPr>
-              <a:spcAft>
-                <a:spcPts val="600"/>
-              </a:spcAft>
-              <a:defRPr sz="1300">
-                <a:solidFill>
-                  <a:srgbClr val="333333"/>
-                </a:solidFill>
-              </a:defRPr>
-            </a:pPr>
-            <a:r>
-              <a:t>서울시 강남구에 위치해있으며</a:t>
-            </a:r>
-          </a:p>
-          <a:p>
-            <a:pPr>
-              <a:spcAft>
-                <a:spcPts val="600"/>
-              </a:spcAft>
-              <a:defRPr sz="1300">
-                <a:solidFill>
-                  <a:srgbClr val="333333"/>
-                </a:solidFill>
-              </a:defRPr>
-            </a:pPr>
-            <a:r>
-              <a:t>세대수 1,500세대, 주차대수 1,200대 (세대당 0.8대)</a:t>
-            </a:r>
-          </a:p>
-          <a:p>
-            <a:pPr>
-              <a:spcAft>
-                <a:spcPts val="600"/>
-              </a:spcAft>
-              <a:defRPr sz="1300">
-                <a:solidFill>
-                  <a:srgbClr val="333333"/>
-                </a:solidFill>
-              </a:defRPr>
-            </a:pPr>
-            <a:r>
-              <a:t>2005년 준공된 아파트입니다.</a:t>
-            </a:r>
-          </a:p>
-        </p:txBody>
-      </p:sp>
-      <p:sp>
-        <p:nvSpPr>
-          <p:cNvPr id="7" name="TextBox 6"/>
-          <p:cNvSpPr txBox="1"/>
-          <p:nvPr/>
-        </p:nvSpPr>
-        <p:spPr>
-          <a:xfrm>
-            <a:off x="457200" y="3474720"/>
-            <a:ext cx="4114800" cy="365760"/>
-          </a:xfrm>
-          <a:prstGeom prst="rect">
-            <a:avLst/>
-          </a:prstGeom>
-          <a:noFill/>
-        </p:spPr>
-        <p:txBody>
-          <a:bodyPr wrap="none">
-            <a:spAutoFit/>
-          </a:bodyPr>
-          <a:lstStyle/>
-          <a:p>
-            <a:pPr>
-              <a:defRPr sz="1200" b="1">
-                <a:solidFill>
-                  <a:srgbClr val="C8102E"/>
-                </a:solidFill>
-              </a:defRPr>
-            </a:pPr>
-            <a:r>
-              <a:t>#대단지  #준신축</a:t>
-            </a:r>
-          </a:p>
-        </p:txBody>
-      </p:sp>
-      <p:sp>
-        <p:nvSpPr>
-          <p:cNvPr id="8" name="TextBox 7"/>
-          <p:cNvSpPr txBox="1"/>
-          <p:nvPr/>
-        </p:nvSpPr>
-        <p:spPr>
-          <a:xfrm>
-            <a:off x="457200" y="5943600"/>
-            <a:ext cx="4572000" cy="274320"/>
-          </a:xfrm>
-          <a:prstGeom prst="rect">
-            <a:avLst/>
-          </a:prstGeom>
-          <a:noFill/>
-        </p:spPr>
-        <p:txBody>
-          <a:bodyPr wrap="none">
-            <a:spAutoFit/>
-          </a:bodyPr>
-          <a:lstStyle/>
-          <a:p>
-            <a:pPr>
-              <a:defRPr sz="800">
-                <a:solidFill>
-                  <a:srgbClr val="999999"/>
-                </a:solidFill>
-              </a:defRPr>
-            </a:pPr>
-            <a:r>
-              <a:t>*네이버부동산 (https://land.naver.com)  *네이버지도 (https://map.naver.com)</a:t>
-            </a:r>
-          </a:p>
-        </p:txBody>
-      </p:sp>
-    </p:spTree>
-  </p:cSld>
-  <p:clrMapOvr>
-    <a:masterClrMapping/>
-  </p:clrMapOvr>
-</p:sld>
-</file>
-
-<file path=ppt/slides/slide9.xml><?xml version="1.0" encoding="utf-8"?>
-<p:sld xmlns:a="http://schemas.openxmlformats.org/drawingml/2006/main" xmlns:p="http://schemas.openxmlformats.org/presentationml/2006/main" xmlns:r="http://schemas.openxmlformats.org/officeDocument/2006/relationships">
-  <p:cSld>
-    <p:spTree>
-      <p:nvGrpSpPr>
-        <p:cNvPr id="1" name=""/>
-        <p:cNvGrpSpPr/>
-        <p:nvPr/>
-      </p:nvGrpSpPr>
-      <p:grpSpPr/>
-      <p:sp>
-        <p:nvSpPr>
-          <p:cNvPr id="2" name="Rectangle 1"/>
-          <p:cNvSpPr/>
-          <p:nvPr/>
-        </p:nvSpPr>
-        <p:spPr>
-          <a:xfrm>
-            <a:off x="274320" y="320040"/>
-            <a:ext cx="101600" cy="365760"/>
-          </a:xfrm>
-          <a:prstGeom prst="rect">
-            <a:avLst/>
-          </a:prstGeom>
-          <a:solidFill>
-            <a:srgbClr val="C8102E"/>
-          </a:solidFill>
-          <a:ln>
-            <a:noFill/>
-          </a:ln>
-        </p:spPr>
-        <p:style>
-          <a:lnRef idx="1">
-            <a:schemeClr val="accent1"/>
-          </a:lnRef>
-          <a:fillRef idx="3">
-            <a:schemeClr val="accent1"/>
-          </a:fillRef>
-          <a:effectRef idx="2">
-            <a:schemeClr val="accent1"/>
-          </a:effectRef>
-          <a:fontRef idx="minor">
-            <a:schemeClr val="lt1"/>
-          </a:fontRef>
-        </p:style>
-        <p:txBody>
-          <a:bodyPr rtlCol="0" anchor="ctr"/>
-          <a:lstStyle/>
-          <a:p>
-            <a:pPr algn="ctr"/>
-          </a:p>
-        </p:txBody>
-      </p:sp>
-      <p:sp>
-        <p:nvSpPr>
-          <p:cNvPr id="3" name="TextBox 2"/>
-          <p:cNvSpPr txBox="1"/>
-          <p:nvPr/>
-        </p:nvSpPr>
-        <p:spPr>
-          <a:xfrm>
-            <a:off x="548640" y="274320"/>
-            <a:ext cx="5486400" cy="457200"/>
-          </a:xfrm>
-          <a:prstGeom prst="rect">
-            <a:avLst/>
-          </a:prstGeom>
-          <a:noFill/>
-        </p:spPr>
-        <p:txBody>
-          <a:bodyPr wrap="none">
-            <a:spAutoFit/>
-          </a:bodyPr>
-          <a:lstStyle/>
-          <a:p>
-            <a:pPr>
-              <a:defRPr sz="2200" b="1">
-                <a:solidFill>
-                  <a:srgbClr val="333333"/>
-                </a:solidFill>
-              </a:defRPr>
-            </a:pPr>
-            <a:r>
-              <a:t>샘플단지_9999</a:t>
-            </a:r>
-          </a:p>
-        </p:txBody>
-      </p:sp>
-      <p:sp>
-        <p:nvSpPr>
-          <p:cNvPr id="4" name="TextBox 3"/>
-          <p:cNvSpPr txBox="1"/>
-          <p:nvPr/>
-        </p:nvSpPr>
-        <p:spPr>
-          <a:xfrm>
-            <a:off x="6858000" y="274320"/>
-            <a:ext cx="1828800" cy="457200"/>
-          </a:xfrm>
-          <a:prstGeom prst="rect">
-            <a:avLst/>
-          </a:prstGeom>
-          <a:noFill/>
-        </p:spPr>
-        <p:txBody>
-          <a:bodyPr wrap="none">
-            <a:spAutoFit/>
-          </a:bodyPr>
-          <a:lstStyle/>
-          <a:p>
-            <a:pPr algn="r">
-              <a:defRPr sz="1400">
-                <a:solidFill>
-                  <a:srgbClr val="999999"/>
-                </a:solidFill>
-              </a:defRPr>
-            </a:pPr>
-            <a:r>
-              <a:t>실거래가</a:t>
-            </a:r>
-          </a:p>
-        </p:txBody>
-      </p:sp>
-      <p:sp>
-        <p:nvSpPr>
-          <p:cNvPr id="5" name="Rectangle 4"/>
-          <p:cNvSpPr/>
-          <p:nvPr/>
-        </p:nvSpPr>
-        <p:spPr>
-          <a:xfrm>
-            <a:off x="274320" y="777240"/>
-            <a:ext cx="8595360" cy="12700"/>
-          </a:xfrm>
-          <a:prstGeom prst="rect">
-            <a:avLst/>
-          </a:prstGeom>
-          <a:solidFill>
-            <a:srgbClr val="E0E0E0"/>
-          </a:solidFill>
-          <a:ln>
-            <a:noFill/>
-          </a:ln>
-        </p:spPr>
-        <p:style>
-          <a:lnRef idx="1">
-            <a:schemeClr val="accent1"/>
-          </a:lnRef>
-          <a:fillRef idx="3">
-            <a:schemeClr val="accent1"/>
-          </a:fillRef>
-          <a:effectRef idx="2">
-            <a:schemeClr val="accent1"/>
-          </a:effectRef>
-          <a:fontRef idx="minor">
-            <a:schemeClr val="lt1"/>
-          </a:fontRef>
-        </p:style>
-        <p:txBody>
-          <a:bodyPr rtlCol="0" anchor="ctr"/>
-          <a:lstStyle/>
-          <a:p>
-            <a:pPr algn="ctr"/>
-          </a:p>
-        </p:txBody>
-      </p:sp>
-      <p:sp>
-        <p:nvSpPr>
-          <p:cNvPr id="6" name="TextBox 5"/>
-          <p:cNvSpPr txBox="1"/>
-          <p:nvPr/>
-        </p:nvSpPr>
-        <p:spPr>
-          <a:xfrm>
-            <a:off x="457200" y="1097280"/>
-            <a:ext cx="8229600" cy="1097280"/>
-          </a:xfrm>
-          <a:prstGeom prst="rect">
-            <a:avLst/>
-          </a:prstGeom>
-          <a:noFill/>
-        </p:spPr>
-        <p:txBody>
-          <a:bodyPr wrap="square">
-            <a:spAutoFit/>
-          </a:bodyPr>
-          <a:lstStyle/>
-          <a:p>
-            <a:pPr>
-              <a:spcAft>
-                <a:spcPts val="400"/>
-              </a:spcAft>
-              <a:defRPr sz="1200">
-                <a:solidFill>
-                  <a:srgbClr val="333333"/>
-                </a:solidFill>
-              </a:defRPr>
-            </a:pPr>
-            <a:r>
-              <a:t>샘플단지_9999은(는) 2026년 1월 [2]건, 2026년 1월 [1]건 거래되었습니다.</a:t>
-            </a:r>
-          </a:p>
-          <a:p>
-            <a:pPr>
-              <a:spcAft>
-                <a:spcPts val="400"/>
-              </a:spcAft>
-              <a:defRPr sz="1200">
-                <a:solidFill>
-                  <a:srgbClr val="333333"/>
-                </a:solidFill>
-              </a:defRPr>
-            </a:pPr>
-            <a:r>
-              <a:t>최근 3개월 최고 [7억 1000만원], 최저 [5억 5300만원]에 거래되었습니다.</a:t>
-            </a:r>
-          </a:p>
-          <a:p>
-            <a:pPr>
-              <a:spcAft>
-                <a:spcPts val="400"/>
-              </a:spcAft>
-              <a:defRPr sz="1200">
-                <a:solidFill>
-                  <a:srgbClr val="333333"/>
-                </a:solidFill>
-              </a:defRPr>
-            </a:pPr>
-            <a:r>
-              <a:t>최고가 [9억 2000만원] 21년 9월에 거래되었습니다.</a:t>
-            </a:r>
-          </a:p>
-        </p:txBody>
-      </p:sp>
-      <p:graphicFrame>
-        <p:nvGraphicFramePr>
-          <p:cNvPr id="7" name="Table 6"/>
-          <p:cNvGraphicFramePr>
-            <a:graphicFrameLocks noGrp="1"/>
-          </p:cNvGraphicFramePr>
-          <p:nvPr/>
-        </p:nvGraphicFramePr>
-        <p:xfrm>
-          <a:off x="274320" y="2560320"/>
-          <a:ext cx="4114800" cy="1280160"/>
-        </p:xfrm>
-        <a:graphic>
-          <a:graphicData uri="http://schemas.openxmlformats.org/drawingml/2006/table">
-            <a:tbl>
-              <a:tblPr firstRow="1" bandRow="1">
-                <a:tableStyleId>{5C22544A-7EE6-4342-B048-85BDC9FD1C3A}</a:tableStyleId>
-              </a:tblPr>
-              <a:tblGrid>
-                <a:gridCol w="1097280"/>
-                <a:gridCol w="822960"/>
-                <a:gridCol w="640080"/>
-                <a:gridCol w="1554480"/>
-              </a:tblGrid>
-              <a:tr h="320040">
-                <a:tc>
-                  <a:txBody>
-                    <a:bodyPr/>
-                    <a:lstStyle/>
-                    <a:p>
-                      <a:pPr algn="ctr">
-                        <a:defRPr sz="900" b="1">
-                          <a:solidFill>
-                            <a:srgbClr val="FFFFFF"/>
-                          </a:solidFill>
-                        </a:defRPr>
-                      </a:pPr>
-                      <a:r>
-                        <a:t>거래일</a:t>
-                      </a:r>
-                    </a:p>
-                  </a:txBody>
-                  <a:tcPr>
-                    <a:solidFill>
-                      <a:srgbClr val="C8102E"/>
-                    </a:solidFill>
-                  </a:tcPr>
-                </a:tc>
-                <a:tc>
-                  <a:txBody>
-                    <a:bodyPr/>
-                    <a:lstStyle/>
-                    <a:p>
-                      <a:pPr algn="ctr">
-                        <a:defRPr sz="900" b="1">
-                          <a:solidFill>
-                            <a:srgbClr val="FFFFFF"/>
-                          </a:solidFill>
-                        </a:defRPr>
-                      </a:pPr>
-                      <a:r>
-                        <a:t>평형</a:t>
-                      </a:r>
-                    </a:p>
-                  </a:txBody>
-                  <a:tcPr>
-                    <a:solidFill>
-                      <a:srgbClr val="C8102E"/>
-                    </a:solidFill>
-                  </a:tcPr>
-                </a:tc>
-                <a:tc>
-                  <a:txBody>
-                    <a:bodyPr/>
-                    <a:lstStyle/>
-                    <a:p>
-                      <a:pPr algn="ctr">
-                        <a:defRPr sz="900" b="1">
-                          <a:solidFill>
-                            <a:srgbClr val="FFFFFF"/>
-                          </a:solidFill>
-                        </a:defRPr>
-                      </a:pPr>
-                      <a:r>
-                        <a:t>층</a:t>
-                      </a:r>
-                    </a:p>
-                  </a:txBody>
-                  <a:tcPr>
-                    <a:solidFill>
-                      <a:srgbClr val="C8102E"/>
-                    </a:solidFill>
-                  </a:tcPr>
-                </a:tc>
-                <a:tc>
-                  <a:txBody>
-                    <a:bodyPr/>
-                    <a:lstStyle/>
-                    <a:p>
-                      <a:pPr algn="ctr">
-                        <a:defRPr sz="900" b="1">
-                          <a:solidFill>
-                            <a:srgbClr val="FFFFFF"/>
-                          </a:solidFill>
-                        </a:defRPr>
-                      </a:pPr>
-                      <a:r>
-                        <a:t>거래가</a:t>
-                      </a:r>
-                    </a:p>
-                  </a:txBody>
-                  <a:tcPr>
-                    <a:solidFill>
-                      <a:srgbClr val="C8102E"/>
-                    </a:solidFill>
-                  </a:tcPr>
-                </a:tc>
-              </a:tr>
-              <a:tr h="320040">
-                <a:tc>
-                  <a:txBody>
-                    <a:bodyPr/>
-                    <a:lstStyle/>
-                    <a:p>
-                      <a:pPr algn="ctr">
-                        <a:defRPr sz="900">
-                          <a:solidFill>
-                            <a:srgbClr val="333333"/>
-                          </a:solidFill>
-                        </a:defRPr>
-                      </a:pPr>
-                      <a:r>
-                        <a:t>2026.01.15</a:t>
-                      </a:r>
-                    </a:p>
-                  </a:txBody>
-                  <a:tcPr/>
-                </a:tc>
-                <a:tc>
-                  <a:txBody>
-                    <a:bodyPr/>
-                    <a:lstStyle/>
-                    <a:p>
-                      <a:pPr algn="ctr">
-                        <a:defRPr sz="900">
-                          <a:solidFill>
-                            <a:srgbClr val="333333"/>
-                          </a:solidFill>
-                        </a:defRPr>
-                      </a:pPr>
-                      <a:r>
-                        <a:t>24평</a:t>
-                      </a:r>
-                    </a:p>
-                  </a:txBody>
-                  <a:tcPr/>
-                </a:tc>
-                <a:tc>
-                  <a:txBody>
-                    <a:bodyPr/>
-                    <a:lstStyle/>
-                    <a:p>
-                      <a:pPr algn="ctr">
-                        <a:defRPr sz="900">
-                          <a:solidFill>
-                            <a:srgbClr val="333333"/>
-                          </a:solidFill>
-                        </a:defRPr>
-                      </a:pPr>
-                      <a:r>
-                        <a:t>8층</a:t>
-                      </a:r>
-                    </a:p>
-                  </a:txBody>
-                  <a:tcPr/>
-                </a:tc>
-                <a:tc>
-                  <a:txBody>
-                    <a:bodyPr/>
-                    <a:lstStyle/>
-                    <a:p>
-                      <a:pPr algn="ctr">
-                        <a:defRPr sz="900">
-                          <a:solidFill>
-                            <a:srgbClr val="333333"/>
-                          </a:solidFill>
-                        </a:defRPr>
-                      </a:pPr>
-                      <a:r>
-                        <a:t>5억 9000만원</a:t>
-                      </a:r>
-                    </a:p>
-                  </a:txBody>
-                  <a:tcPr/>
-                </a:tc>
-              </a:tr>
-              <a:tr h="320040">
-                <a:tc>
-                  <a:txBody>
-                    <a:bodyPr/>
-                    <a:lstStyle/>
-                    <a:p>
-                      <a:pPr algn="ctr">
-                        <a:defRPr sz="900">
-                          <a:solidFill>
-                            <a:srgbClr val="333333"/>
-                          </a:solidFill>
-                        </a:defRPr>
-                      </a:pPr>
-                      <a:r>
-                        <a:t>2026.01.03</a:t>
-                      </a:r>
-                    </a:p>
-                  </a:txBody>
-                  <a:tcPr>
-                    <a:solidFill>
-                      <a:srgbClr val="F5F5F5"/>
-                    </a:solidFill>
-                  </a:tcPr>
-                </a:tc>
-                <a:tc>
-                  <a:txBody>
-                    <a:bodyPr/>
-                    <a:lstStyle/>
-                    <a:p>
-                      <a:pPr algn="ctr">
-                        <a:defRPr sz="900">
-                          <a:solidFill>
-                            <a:srgbClr val="333333"/>
-                          </a:solidFill>
-                        </a:defRPr>
-                      </a:pPr>
-                      <a:r>
-                        <a:t>24평</a:t>
-                      </a:r>
-                    </a:p>
-                  </a:txBody>
-                  <a:tcPr>
-                    <a:solidFill>
-                      <a:srgbClr val="F5F5F5"/>
-                    </a:solidFill>
-                  </a:tcPr>
-                </a:tc>
-                <a:tc>
-                  <a:txBody>
-                    <a:bodyPr/>
-                    <a:lstStyle/>
-                    <a:p>
-                      <a:pPr algn="ctr">
-                        <a:defRPr sz="900">
-                          <a:solidFill>
-                            <a:srgbClr val="333333"/>
-                          </a:solidFill>
-                        </a:defRPr>
-                      </a:pPr>
-                      <a:r>
-                        <a:t>5층</a:t>
-                      </a:r>
-                    </a:p>
-                  </a:txBody>
-                  <a:tcPr>
-                    <a:solidFill>
-                      <a:srgbClr val="F5F5F5"/>
-                    </a:solidFill>
-                  </a:tcPr>
-                </a:tc>
-                <a:tc>
-                  <a:txBody>
-                    <a:bodyPr/>
-                    <a:lstStyle/>
-                    <a:p>
-                      <a:pPr algn="ctr">
-                        <a:defRPr sz="900">
-                          <a:solidFill>
-                            <a:srgbClr val="333333"/>
-                          </a:solidFill>
-                        </a:defRPr>
-                      </a:pPr>
-                      <a:r>
-                        <a:t>5억 5300만원</a:t>
-                      </a:r>
-                    </a:p>
-                  </a:txBody>
-                  <a:tcPr>
-                    <a:solidFill>
-                      <a:srgbClr val="F5F5F5"/>
-                    </a:solidFill>
-                  </a:tcPr>
-                </a:tc>
-              </a:tr>
-              <a:tr h="320040">
-                <a:tc>
-                  <a:txBody>
-                    <a:bodyPr/>
-                    <a:lstStyle/>
-                    <a:p>
-                      <a:pPr algn="ctr">
-                        <a:defRPr sz="900">
-                          <a:solidFill>
-                            <a:srgbClr val="333333"/>
-                          </a:solidFill>
-                        </a:defRPr>
-                      </a:pPr>
-                      <a:r>
-                        <a:t>2026.01.20</a:t>
-                      </a:r>
-                    </a:p>
-                  </a:txBody>
-                  <a:tcPr/>
-                </a:tc>
-                <a:tc>
-                  <a:txBody>
-                    <a:bodyPr/>
-                    <a:lstStyle/>
-                    <a:p>
-                      <a:pPr algn="ctr">
-                        <a:defRPr sz="900">
-                          <a:solidFill>
-                            <a:srgbClr val="333333"/>
-                          </a:solidFill>
-                        </a:defRPr>
-                      </a:pPr>
-                      <a:r>
-                        <a:t>32평</a:t>
-                      </a:r>
-                    </a:p>
-                  </a:txBody>
-                  <a:tcPr/>
-                </a:tc>
-                <a:tc>
-                  <a:txBody>
-                    <a:bodyPr/>
-                    <a:lstStyle/>
-                    <a:p>
-                      <a:pPr algn="ctr">
-                        <a:defRPr sz="900">
-                          <a:solidFill>
-                            <a:srgbClr val="333333"/>
-                          </a:solidFill>
-                        </a:defRPr>
-                      </a:pPr>
-                      <a:r>
-                        <a:t>12층</a:t>
-                      </a:r>
-                    </a:p>
-                  </a:txBody>
-                  <a:tcPr/>
-                </a:tc>
-                <a:tc>
-                  <a:txBody>
-                    <a:bodyPr/>
-                    <a:lstStyle/>
-                    <a:p>
-                      <a:pPr algn="ctr">
-                        <a:defRPr sz="900">
-                          <a:solidFill>
-                            <a:srgbClr val="333333"/>
-                          </a:solidFill>
-                        </a:defRPr>
-                      </a:pPr>
-                      <a:r>
-                        <a:t>7억 1000만원</a:t>
-                      </a:r>
-                    </a:p>
-                  </a:txBody>
-                  <a:tcPr/>
-                </a:tc>
-              </a:tr>
-            </a:tbl>
-          </a:graphicData>
-        </a:graphic>
-      </p:graphicFrame>
-      <p:pic>
-        <p:nvPicPr>
-          <p:cNvPr id="8" name="Picture 7" descr="price_chart.png"/>
-          <p:cNvPicPr>
-            <a:picLocks noChangeAspect="1"/>
-          </p:cNvPicPr>
-          <p:nvPr/>
-        </p:nvPicPr>
-        <p:blipFill>
-          <a:blip r:embed="rId2"/>
-          <a:stretch>
-            <a:fillRect/>
-          </a:stretch>
-        </p:blipFill>
-        <p:spPr>
-          <a:xfrm>
-            <a:off x="4572000" y="2560320"/>
-            <a:ext cx="4297680" cy="2743200"/>
-          </a:xfrm>
-          <a:prstGeom prst="rect">
-            <a:avLst/>
-          </a:prstGeom>
-        </p:spPr>
-      </p:pic>
-      <p:sp>
-        <p:nvSpPr>
-          <p:cNvPr id="9" name="TextBox 8"/>
-          <p:cNvSpPr txBox="1"/>
-          <p:nvPr/>
-        </p:nvSpPr>
-        <p:spPr>
-          <a:xfrm>
-            <a:off x="457200" y="5943600"/>
-            <a:ext cx="4572000" cy="274320"/>
-          </a:xfrm>
-          <a:prstGeom prst="rect">
-            <a:avLst/>
-          </a:prstGeom>
-          <a:noFill/>
-        </p:spPr>
-        <p:txBody>
-          <a:bodyPr wrap="none">
-            <a:spAutoFit/>
-          </a:bodyPr>
-          <a:lstStyle/>
-          <a:p>
-            <a:pPr>
-              <a:defRPr sz="800">
-                <a:solidFill>
-                  <a:srgbClr val="999999"/>
-                </a:solidFill>
-              </a:defRPr>
-            </a:pPr>
-            <a:r>
-              <a:t>*아실 (https://asil.kr)  *국토교통부 실거래가 공개시스템</a:t>
+              <a:t>동/층: 미입력 / 미입력</a:t>
             </a:r>
           </a:p>
         </p:txBody>
